--- a/Presentation1.pptx
+++ b/Presentation1.pptx
@@ -5,7 +5,7 @@
     <p:sldMasterId id="2147483660" r:id="rId1"/>
   </p:sldMasterIdLst>
   <p:notesMasterIdLst>
-    <p:notesMasterId r:id="rId9"/>
+    <p:notesMasterId r:id="rId10"/>
   </p:notesMasterIdLst>
   <p:sldIdLst>
     <p:sldId id="256" r:id="rId2"/>
@@ -14,7 +14,8 @@
     <p:sldId id="260" r:id="rId5"/>
     <p:sldId id="262" r:id="rId6"/>
     <p:sldId id="263" r:id="rId7"/>
-    <p:sldId id="264" r:id="rId8"/>
+    <p:sldId id="265" r:id="rId8"/>
+    <p:sldId id="264" r:id="rId9"/>
   </p:sldIdLst>
   <p:sldSz cx="9144000" cy="6858000" type="screen4x3"/>
   <p:notesSz cx="6858000" cy="9144000"/>
@@ -531,7 +532,7 @@
           <a:p>
             <a:fld id="{A4769AF9-39E3-4C5C-BF72-AD432C478C50}" type="slidenum">
               <a:rPr lang="en-IN" smtClean="0"/>
-              <a:t>7</a:t>
+              <a:t>8</a:t>
             </a:fld>
             <a:endParaRPr lang="en-IN"/>
           </a:p>
@@ -3577,7 +3578,6 @@
               <a:rPr lang="en-IN" sz="3200" dirty="0"/>
               <a:t> (often shortened to JS) is a lightweight, interpreted, object-oriented language with first-class functions, and is best known as the scripting language for Web pages</a:t>
             </a:r>
-            <a:endParaRPr lang="en-IN" sz="3200" dirty="0"/>
           </a:p>
         </p:txBody>
       </p:sp>
@@ -4524,6 +4524,512 @@
 </file>
 
 <file path=ppt/slides/slide7.xml><?xml version="1.0" encoding="utf-8"?>
+<p:sld xmlns:a="http://schemas.openxmlformats.org/drawingml/2006/main" xmlns:r="http://schemas.openxmlformats.org/officeDocument/2006/relationships" xmlns:p="http://schemas.openxmlformats.org/presentationml/2006/main">
+  <p:cSld>
+    <p:spTree>
+      <p:nvGrpSpPr>
+        <p:cNvPr id="1" name=""/>
+        <p:cNvGrpSpPr/>
+        <p:nvPr/>
+      </p:nvGrpSpPr>
+      <p:grpSpPr>
+        <a:xfrm>
+          <a:off x="0" y="0"/>
+          <a:ext cx="0" cy="0"/>
+          <a:chOff x="0" y="0"/>
+          <a:chExt cx="0" cy="0"/>
+        </a:xfrm>
+      </p:grpSpPr>
+      <p:sp>
+        <p:nvSpPr>
+          <p:cNvPr id="4" name="Title 3"/>
+          <p:cNvSpPr>
+            <a:spLocks noGrp="1"/>
+          </p:cNvSpPr>
+          <p:nvPr>
+            <p:ph type="ctrTitle"/>
+          </p:nvPr>
+        </p:nvSpPr>
+        <p:spPr>
+          <a:xfrm>
+            <a:off x="395536" y="332656"/>
+            <a:ext cx="8229600" cy="1224136"/>
+          </a:xfrm>
+        </p:spPr>
+        <p:txBody>
+          <a:bodyPr anchor="t">
+            <a:noAutofit/>
+          </a:bodyPr>
+          <a:lstStyle/>
+          <a:p>
+            <a:r>
+              <a:rPr lang="en-IN" dirty="0" err="1" smtClean="0">
+                <a:solidFill>
+                  <a:schemeClr val="accent1">
+                    <a:lumMod val="50000"/>
+                  </a:schemeClr>
+                </a:solidFill>
+              </a:rPr>
+              <a:t>aRRAY</a:t>
+            </a:r>
+            <a:r>
+              <a:rPr lang="en-IN" dirty="0" smtClean="0">
+                <a:solidFill>
+                  <a:schemeClr val="accent1">
+                    <a:lumMod val="50000"/>
+                  </a:schemeClr>
+                </a:solidFill>
+              </a:rPr>
+              <a:t> METHODS IN JS</a:t>
+            </a:r>
+            <a:r>
+              <a:rPr lang="en-IN" dirty="0" smtClean="0">
+                <a:solidFill>
+                  <a:schemeClr val="accent1">
+                    <a:lumMod val="50000"/>
+                  </a:schemeClr>
+                </a:solidFill>
+              </a:rPr>
+              <a:t/>
+            </a:r>
+            <a:br>
+              <a:rPr lang="en-IN" dirty="0" smtClean="0">
+                <a:solidFill>
+                  <a:schemeClr val="accent1">
+                    <a:lumMod val="50000"/>
+                  </a:schemeClr>
+                </a:solidFill>
+              </a:rPr>
+            </a:br>
+            <a:endParaRPr lang="en-IN" dirty="0">
+              <a:solidFill>
+                <a:schemeClr val="accent1">
+                  <a:lumMod val="50000"/>
+                </a:schemeClr>
+              </a:solidFill>
+            </a:endParaRPr>
+          </a:p>
+        </p:txBody>
+      </p:sp>
+      <p:sp>
+        <p:nvSpPr>
+          <p:cNvPr id="5" name="Subtitle 4"/>
+          <p:cNvSpPr>
+            <a:spLocks noGrp="1"/>
+          </p:cNvSpPr>
+          <p:nvPr>
+            <p:ph type="subTitle" idx="1"/>
+          </p:nvPr>
+        </p:nvSpPr>
+        <p:spPr>
+          <a:xfrm>
+            <a:off x="467544" y="1772816"/>
+            <a:ext cx="8064896" cy="4680520"/>
+          </a:xfrm>
+        </p:spPr>
+        <p:txBody>
+          <a:bodyPr>
+            <a:normAutofit/>
+          </a:bodyPr>
+          <a:lstStyle/>
+          <a:p>
+            <a:endParaRPr lang="en-IN" sz="2000" dirty="0" smtClean="0"/>
+          </a:p>
+          <a:p>
+            <a:pPr marL="457200" indent="-457200" algn="l">
+              <a:buFont typeface="Arial" pitchFamily="34" charset="0"/>
+              <a:buChar char="•"/>
+            </a:pPr>
+            <a:r>
+              <a:rPr lang="en-IN" dirty="0" err="1">
+                <a:solidFill>
+                  <a:schemeClr val="bg2">
+                    <a:lumMod val="50000"/>
+                  </a:schemeClr>
+                </a:solidFill>
+                <a:effectLst>
+                  <a:outerShdw blurRad="38100" dist="38100" dir="2700000" algn="tl">
+                    <a:srgbClr val="000000">
+                      <a:alpha val="43137"/>
+                    </a:srgbClr>
+                  </a:outerShdw>
+                </a:effectLst>
+              </a:rPr>
+              <a:t>f</a:t>
+            </a:r>
+            <a:r>
+              <a:rPr lang="en-IN" dirty="0" err="1" smtClean="0">
+                <a:solidFill>
+                  <a:schemeClr val="bg2">
+                    <a:lumMod val="50000"/>
+                  </a:schemeClr>
+                </a:solidFill>
+                <a:effectLst>
+                  <a:outerShdw blurRad="38100" dist="38100" dir="2700000" algn="tl">
+                    <a:srgbClr val="000000">
+                      <a:alpha val="43137"/>
+                    </a:srgbClr>
+                  </a:outerShdw>
+                </a:effectLst>
+              </a:rPr>
+              <a:t>riends.p</a:t>
+            </a:r>
+            <a:r>
+              <a:rPr lang="en-IN" dirty="0" err="1" smtClean="0">
+                <a:solidFill>
+                  <a:schemeClr val="bg2">
+                    <a:lumMod val="50000"/>
+                  </a:schemeClr>
+                </a:solidFill>
+                <a:effectLst>
+                  <a:outerShdw blurRad="38100" dist="38100" dir="2700000" algn="tl">
+                    <a:srgbClr val="000000">
+                      <a:alpha val="43137"/>
+                    </a:srgbClr>
+                  </a:outerShdw>
+                </a:effectLst>
+              </a:rPr>
+              <a:t>ush</a:t>
+            </a:r>
+            <a:r>
+              <a:rPr lang="en-IN" dirty="0" smtClean="0">
+                <a:solidFill>
+                  <a:schemeClr val="bg2">
+                    <a:lumMod val="50000"/>
+                  </a:schemeClr>
+                </a:solidFill>
+                <a:effectLst>
+                  <a:outerShdw blurRad="38100" dist="38100" dir="2700000" algn="tl">
+                    <a:srgbClr val="000000">
+                      <a:alpha val="43137"/>
+                    </a:srgbClr>
+                  </a:outerShdw>
+                </a:effectLst>
+              </a:rPr>
+              <a:t>(“</a:t>
+            </a:r>
+            <a:r>
+              <a:rPr lang="en-IN" dirty="0" err="1" smtClean="0">
+                <a:solidFill>
+                  <a:schemeClr val="bg2">
+                    <a:lumMod val="50000"/>
+                  </a:schemeClr>
+                </a:solidFill>
+                <a:effectLst>
+                  <a:outerShdw blurRad="38100" dist="38100" dir="2700000" algn="tl">
+                    <a:srgbClr val="000000">
+                      <a:alpha val="43137"/>
+                    </a:srgbClr>
+                  </a:outerShdw>
+                </a:effectLst>
+              </a:rPr>
+              <a:t>julie</a:t>
+            </a:r>
+            <a:r>
+              <a:rPr lang="en-IN" dirty="0" smtClean="0">
+                <a:solidFill>
+                  <a:schemeClr val="bg2">
+                    <a:lumMod val="50000"/>
+                  </a:schemeClr>
+                </a:solidFill>
+                <a:effectLst>
+                  <a:outerShdw blurRad="38100" dist="38100" dir="2700000" algn="tl">
+                    <a:srgbClr val="000000">
+                      <a:alpha val="43137"/>
+                    </a:srgbClr>
+                  </a:outerShdw>
+                </a:effectLst>
+              </a:rPr>
+              <a:t>”);</a:t>
+            </a:r>
+          </a:p>
+          <a:p>
+            <a:pPr algn="l"/>
+            <a:r>
+              <a:rPr lang="en-IN" dirty="0" smtClean="0"/>
+              <a:t>     </a:t>
+            </a:r>
+            <a:r>
+              <a:rPr lang="en-IN" sz="2000" dirty="0" smtClean="0"/>
+              <a:t>//adds element to the end</a:t>
+            </a:r>
+            <a:endParaRPr lang="en-IN" sz="2000" dirty="0"/>
+          </a:p>
+          <a:p>
+            <a:pPr marL="457200" indent="-457200" algn="l">
+              <a:buFont typeface="Arial" pitchFamily="34" charset="0"/>
+              <a:buChar char="•"/>
+            </a:pPr>
+            <a:r>
+              <a:rPr lang="en-IN" dirty="0" err="1" smtClean="0">
+                <a:solidFill>
+                  <a:schemeClr val="bg2">
+                    <a:lumMod val="50000"/>
+                  </a:schemeClr>
+                </a:solidFill>
+                <a:effectLst>
+                  <a:outerShdw blurRad="38100" dist="38100" dir="2700000" algn="tl">
+                    <a:srgbClr val="000000">
+                      <a:alpha val="43137"/>
+                    </a:srgbClr>
+                  </a:outerShdw>
+                </a:effectLst>
+              </a:rPr>
+              <a:t>friends.pop</a:t>
+            </a:r>
+            <a:r>
+              <a:rPr lang="en-IN" dirty="0" smtClean="0">
+                <a:solidFill>
+                  <a:schemeClr val="bg2">
+                    <a:lumMod val="50000"/>
+                  </a:schemeClr>
+                </a:solidFill>
+                <a:effectLst>
+                  <a:outerShdw blurRad="38100" dist="38100" dir="2700000" algn="tl">
+                    <a:srgbClr val="000000">
+                      <a:alpha val="43137"/>
+                    </a:srgbClr>
+                  </a:outerShdw>
+                </a:effectLst>
+              </a:rPr>
+              <a:t>(); </a:t>
+            </a:r>
+          </a:p>
+          <a:p>
+            <a:pPr algn="l"/>
+            <a:r>
+              <a:rPr lang="en-IN" sz="2000" dirty="0" smtClean="0"/>
+              <a:t>     //deletes element from the end</a:t>
+            </a:r>
+          </a:p>
+          <a:p>
+            <a:pPr marL="457200" indent="-457200" algn="l">
+              <a:buFont typeface="Arial" pitchFamily="34" charset="0"/>
+              <a:buChar char="•"/>
+            </a:pPr>
+            <a:r>
+              <a:rPr lang="en-IN" dirty="0" err="1">
+                <a:solidFill>
+                  <a:schemeClr val="bg2">
+                    <a:lumMod val="50000"/>
+                  </a:schemeClr>
+                </a:solidFill>
+                <a:effectLst>
+                  <a:outerShdw blurRad="38100" dist="38100" dir="2700000" algn="tl">
+                    <a:srgbClr val="000000">
+                      <a:alpha val="43137"/>
+                    </a:srgbClr>
+                  </a:outerShdw>
+                </a:effectLst>
+              </a:rPr>
+              <a:t>f</a:t>
+            </a:r>
+            <a:r>
+              <a:rPr lang="en-IN" dirty="0" err="1" smtClean="0">
+                <a:solidFill>
+                  <a:schemeClr val="bg2">
+                    <a:lumMod val="50000"/>
+                  </a:schemeClr>
+                </a:solidFill>
+                <a:effectLst>
+                  <a:outerShdw blurRad="38100" dist="38100" dir="2700000" algn="tl">
+                    <a:srgbClr val="000000">
+                      <a:alpha val="43137"/>
+                    </a:srgbClr>
+                  </a:outerShdw>
+                </a:effectLst>
+              </a:rPr>
+              <a:t>riends.unshift</a:t>
+            </a:r>
+            <a:r>
+              <a:rPr lang="en-IN" dirty="0" smtClean="0">
+                <a:solidFill>
+                  <a:schemeClr val="bg2">
+                    <a:lumMod val="50000"/>
+                  </a:schemeClr>
+                </a:solidFill>
+                <a:effectLst>
+                  <a:outerShdw blurRad="38100" dist="38100" dir="2700000" algn="tl">
+                    <a:srgbClr val="000000">
+                      <a:alpha val="43137"/>
+                    </a:srgbClr>
+                  </a:outerShdw>
+                </a:effectLst>
+              </a:rPr>
+              <a:t>(“</a:t>
+            </a:r>
+            <a:r>
+              <a:rPr lang="en-IN" dirty="0" err="1" smtClean="0">
+                <a:solidFill>
+                  <a:schemeClr val="bg2">
+                    <a:lumMod val="50000"/>
+                  </a:schemeClr>
+                </a:solidFill>
+                <a:effectLst>
+                  <a:outerShdw blurRad="38100" dist="38100" dir="2700000" algn="tl">
+                    <a:srgbClr val="000000">
+                      <a:alpha val="43137"/>
+                    </a:srgbClr>
+                  </a:outerShdw>
+                </a:effectLst>
+              </a:rPr>
+              <a:t>julie</a:t>
+            </a:r>
+            <a:r>
+              <a:rPr lang="en-IN" dirty="0" smtClean="0">
+                <a:solidFill>
+                  <a:schemeClr val="bg2">
+                    <a:lumMod val="50000"/>
+                  </a:schemeClr>
+                </a:solidFill>
+                <a:effectLst>
+                  <a:outerShdw blurRad="38100" dist="38100" dir="2700000" algn="tl">
+                    <a:srgbClr val="000000">
+                      <a:alpha val="43137"/>
+                    </a:srgbClr>
+                  </a:outerShdw>
+                </a:effectLst>
+              </a:rPr>
+              <a:t>”);</a:t>
+            </a:r>
+          </a:p>
+          <a:p>
+            <a:pPr algn="l"/>
+            <a:r>
+              <a:rPr lang="en-IN" dirty="0"/>
+              <a:t> </a:t>
+            </a:r>
+            <a:r>
+              <a:rPr lang="en-IN" dirty="0" smtClean="0"/>
+              <a:t>     </a:t>
+            </a:r>
+            <a:r>
+              <a:rPr lang="en-IN" sz="2000" dirty="0" smtClean="0"/>
+              <a:t>//adds element to the beginning</a:t>
+            </a:r>
+          </a:p>
+          <a:p>
+            <a:pPr marL="457200" indent="-457200" algn="l">
+              <a:buFont typeface="Arial" pitchFamily="34" charset="0"/>
+              <a:buChar char="•"/>
+            </a:pPr>
+            <a:r>
+              <a:rPr lang="en-IN" dirty="0" err="1" smtClean="0">
+                <a:solidFill>
+                  <a:schemeClr val="bg2">
+                    <a:lumMod val="50000"/>
+                  </a:schemeClr>
+                </a:solidFill>
+                <a:effectLst>
+                  <a:outerShdw blurRad="38100" dist="38100" dir="2700000" algn="tl">
+                    <a:srgbClr val="000000">
+                      <a:alpha val="43137"/>
+                    </a:srgbClr>
+                  </a:outerShdw>
+                </a:effectLst>
+              </a:rPr>
+              <a:t>f</a:t>
+            </a:r>
+            <a:r>
+              <a:rPr lang="en-IN" dirty="0" err="1" smtClean="0">
+                <a:solidFill>
+                  <a:schemeClr val="bg2">
+                    <a:lumMod val="50000"/>
+                  </a:schemeClr>
+                </a:solidFill>
+                <a:effectLst>
+                  <a:outerShdw blurRad="38100" dist="38100" dir="2700000" algn="tl">
+                    <a:srgbClr val="000000">
+                      <a:alpha val="43137"/>
+                    </a:srgbClr>
+                  </a:outerShdw>
+                </a:effectLst>
+              </a:rPr>
+              <a:t>riends.shift</a:t>
+            </a:r>
+            <a:r>
+              <a:rPr lang="en-IN" dirty="0" smtClean="0">
+                <a:solidFill>
+                  <a:schemeClr val="bg2">
+                    <a:lumMod val="50000"/>
+                  </a:schemeClr>
+                </a:solidFill>
+                <a:effectLst>
+                  <a:outerShdw blurRad="38100" dist="38100" dir="2700000" algn="tl">
+                    <a:srgbClr val="000000">
+                      <a:alpha val="43137"/>
+                    </a:srgbClr>
+                  </a:outerShdw>
+                </a:effectLst>
+              </a:rPr>
+              <a:t>();</a:t>
+            </a:r>
+          </a:p>
+          <a:p>
+            <a:pPr algn="l"/>
+            <a:r>
+              <a:rPr lang="en-IN" dirty="0"/>
+              <a:t> </a:t>
+            </a:r>
+            <a:r>
+              <a:rPr lang="en-IN" dirty="0" smtClean="0"/>
+              <a:t>     </a:t>
+            </a:r>
+            <a:r>
+              <a:rPr lang="en-IN" sz="2000" dirty="0" smtClean="0"/>
+              <a:t>//deletes element from the beginning.</a:t>
+            </a:r>
+            <a:endParaRPr lang="en-IN" sz="2000" dirty="0" smtClean="0"/>
+          </a:p>
+          <a:p>
+            <a:pPr marL="457200" indent="-457200" algn="l">
+              <a:buFont typeface="Arial" pitchFamily="34" charset="0"/>
+              <a:buChar char="•"/>
+            </a:pPr>
+            <a:endParaRPr lang="en-IN" dirty="0"/>
+          </a:p>
+          <a:p>
+            <a:pPr marL="457200" indent="-457200" algn="l">
+              <a:buFont typeface="Arial" pitchFamily="34" charset="0"/>
+              <a:buChar char="•"/>
+            </a:pPr>
+            <a:endParaRPr lang="en-IN" dirty="0" smtClean="0"/>
+          </a:p>
+          <a:p>
+            <a:endParaRPr lang="en-IN" dirty="0" smtClean="0"/>
+          </a:p>
+          <a:p>
+            <a:endParaRPr lang="en-IN" dirty="0" smtClean="0"/>
+          </a:p>
+          <a:p>
+            <a:endParaRPr lang="en-IN" dirty="0" smtClean="0"/>
+          </a:p>
+          <a:p>
+            <a:endParaRPr lang="en-IN" dirty="0"/>
+          </a:p>
+        </p:txBody>
+      </p:sp>
+    </p:spTree>
+    <p:extLst>
+      <p:ext uri="{BB962C8B-B14F-4D97-AF65-F5344CB8AC3E}">
+        <p14:creationId xmlns:p14="http://schemas.microsoft.com/office/powerpoint/2010/main" val="3087558852"/>
+      </p:ext>
+    </p:extLst>
+  </p:cSld>
+  <p:clrMapOvr>
+    <a:masterClrMapping/>
+  </p:clrMapOvr>
+  <p:timing>
+    <p:tnLst>
+      <p:par>
+        <p:cTn id="1" dur="indefinite" restart="never" nodeType="tmRoot"/>
+      </p:par>
+    </p:tnLst>
+  </p:timing>
+</p:sld>
+</file>
+
+<file path=ppt/slides/slide8.xml><?xml version="1.0" encoding="utf-8"?>
 <p:sld xmlns:a="http://schemas.openxmlformats.org/drawingml/2006/main" xmlns:r="http://schemas.openxmlformats.org/officeDocument/2006/relationships" xmlns:p="http://schemas.openxmlformats.org/presentationml/2006/main">
   <p:cSld>
     <p:spTree>
